--- a/Documentation/Project Presentation V2.pptx
+++ b/Documentation/Project Presentation V2.pptx
@@ -12116,7 +12116,7 @@
         </p:blipFill>
         <p:spPr>
           <a:xfrm>
-            <a:off x="3052762" y="2170376"/>
+            <a:off x="1170174" y="2138103"/>
             <a:ext cx="4398625" cy="1397372"/>
           </a:xfrm>
           <a:prstGeom prst="rect">
@@ -12146,8 +12146,128 @@
         </p:blipFill>
         <p:spPr>
           <a:xfrm>
-            <a:off x="3024188" y="4253086"/>
+            <a:off x="1141599" y="4253086"/>
             <a:ext cx="4427200" cy="1407095"/>
+          </a:xfrm>
+          <a:prstGeom prst="rect">
+            <a:avLst/>
+          </a:prstGeom>
+        </p:spPr>
+      </p:pic>
+      <p:pic>
+        <p:nvPicPr>
+          <p:cNvPr id="8" name="Picture 7">
+            <a:extLst>
+              <a:ext uri="{FF2B5EF4-FFF2-40B4-BE49-F238E27FC236}">
+                <a16:creationId xmlns:a16="http://schemas.microsoft.com/office/drawing/2014/main" id="{95601A32-38B4-42CA-A74E-BF2DC3D7A08A}"/>
+              </a:ext>
+            </a:extLst>
+          </p:cNvPr>
+          <p:cNvPicPr>
+            <a:picLocks noChangeAspect="1"/>
+          </p:cNvPicPr>
+          <p:nvPr/>
+        </p:nvPicPr>
+        <p:blipFill>
+          <a:blip r:embed="rId4"/>
+          <a:stretch>
+            <a:fillRect/>
+          </a:stretch>
+        </p:blipFill>
+        <p:spPr>
+          <a:xfrm>
+            <a:off x="6514957" y="2220782"/>
+            <a:ext cx="1790855" cy="1352667"/>
+          </a:xfrm>
+          <a:prstGeom prst="rect">
+            <a:avLst/>
+          </a:prstGeom>
+        </p:spPr>
+      </p:pic>
+      <p:pic>
+        <p:nvPicPr>
+          <p:cNvPr id="10" name="Picture 9">
+            <a:extLst>
+              <a:ext uri="{FF2B5EF4-FFF2-40B4-BE49-F238E27FC236}">
+                <a16:creationId xmlns:a16="http://schemas.microsoft.com/office/drawing/2014/main" id="{D945A78F-FB25-4F87-991B-4265F68803D1}"/>
+              </a:ext>
+            </a:extLst>
+          </p:cNvPr>
+          <p:cNvPicPr>
+            <a:picLocks noChangeAspect="1"/>
+          </p:cNvPicPr>
+          <p:nvPr/>
+        </p:nvPicPr>
+        <p:blipFill>
+          <a:blip r:embed="rId5"/>
+          <a:stretch>
+            <a:fillRect/>
+          </a:stretch>
+        </p:blipFill>
+        <p:spPr>
+          <a:xfrm>
+            <a:off x="8448561" y="2235552"/>
+            <a:ext cx="1752752" cy="1360288"/>
+          </a:xfrm>
+          <a:prstGeom prst="rect">
+            <a:avLst/>
+          </a:prstGeom>
+        </p:spPr>
+      </p:pic>
+      <p:pic>
+        <p:nvPicPr>
+          <p:cNvPr id="11" name="Picture 10">
+            <a:extLst>
+              <a:ext uri="{FF2B5EF4-FFF2-40B4-BE49-F238E27FC236}">
+                <a16:creationId xmlns:a16="http://schemas.microsoft.com/office/drawing/2014/main" id="{E32314AA-46D5-44F1-A6A5-E221CA6009AA}"/>
+              </a:ext>
+            </a:extLst>
+          </p:cNvPr>
+          <p:cNvPicPr>
+            <a:picLocks noChangeAspect="1"/>
+          </p:cNvPicPr>
+          <p:nvPr/>
+        </p:nvPicPr>
+        <p:blipFill>
+          <a:blip r:embed="rId6"/>
+          <a:stretch>
+            <a:fillRect/>
+          </a:stretch>
+        </p:blipFill>
+        <p:spPr>
+          <a:xfrm>
+            <a:off x="6514957" y="4340282"/>
+            <a:ext cx="1638442" cy="1352667"/>
+          </a:xfrm>
+          <a:prstGeom prst="rect">
+            <a:avLst/>
+          </a:prstGeom>
+        </p:spPr>
+      </p:pic>
+      <p:pic>
+        <p:nvPicPr>
+          <p:cNvPr id="12" name="Picture 11">
+            <a:extLst>
+              <a:ext uri="{FF2B5EF4-FFF2-40B4-BE49-F238E27FC236}">
+                <a16:creationId xmlns:a16="http://schemas.microsoft.com/office/drawing/2014/main" id="{0BCC0A0A-6973-4D51-963D-8B2B0A4D0E6F}"/>
+              </a:ext>
+            </a:extLst>
+          </p:cNvPr>
+          <p:cNvPicPr>
+            <a:picLocks noChangeAspect="1"/>
+          </p:cNvPicPr>
+          <p:nvPr/>
+        </p:nvPicPr>
+        <p:blipFill>
+          <a:blip r:embed="rId7"/>
+          <a:stretch>
+            <a:fillRect/>
+          </a:stretch>
+        </p:blipFill>
+        <p:spPr>
+          <a:xfrm>
+            <a:off x="8492380" y="4340282"/>
+            <a:ext cx="2522439" cy="1162151"/>
           </a:xfrm>
           <a:prstGeom prst="rect">
             <a:avLst/>
